--- a/documents/Presentation.pptx
+++ b/documents/Presentation.pptx
@@ -5,27 +5,28 @@
     <p:sldMasterId id="2147483679" r:id="rId1"/>
   </p:sldMasterIdLst>
   <p:notesMasterIdLst>
-    <p:notesMasterId r:id="rId7"/>
+    <p:notesMasterId r:id="rId8"/>
   </p:notesMasterIdLst>
   <p:sldIdLst>
     <p:sldId id="256" r:id="rId2"/>
     <p:sldId id="262" r:id="rId3"/>
-    <p:sldId id="267" r:id="rId4"/>
-    <p:sldId id="287" r:id="rId5"/>
-    <p:sldId id="272" r:id="rId6"/>
+    <p:sldId id="288" r:id="rId4"/>
+    <p:sldId id="267" r:id="rId5"/>
+    <p:sldId id="287" r:id="rId6"/>
+    <p:sldId id="272" r:id="rId7"/>
   </p:sldIdLst>
   <p:sldSz cx="9144000" cy="5143500" type="screen16x9"/>
   <p:notesSz cx="6858000" cy="9144000"/>
   <p:embeddedFontLst>
     <p:embeddedFont>
       <p:font typeface="Assistant" pitchFamily="2" charset="-79"/>
-      <p:regular r:id="rId8"/>
-      <p:bold r:id="rId9"/>
+      <p:regular r:id="rId9"/>
+      <p:bold r:id="rId10"/>
     </p:embeddedFont>
     <p:embeddedFont>
       <p:font typeface="Manrope" panose="020B0604020202020204" charset="0"/>
-      <p:regular r:id="rId10"/>
-      <p:bold r:id="rId11"/>
+      <p:regular r:id="rId11"/>
+      <p:bold r:id="rId12"/>
     </p:embeddedFont>
   </p:embeddedFontLst>
   <p:defaultTextStyle>
@@ -16037,6 +16038,414 @@
   <p:cSld>
     <p:spTree>
       <p:nvGrpSpPr>
+        <p:cNvPr id="1" name=""/>
+        <p:cNvGrpSpPr/>
+        <p:nvPr/>
+      </p:nvGrpSpPr>
+      <p:grpSpPr>
+        <a:xfrm>
+          <a:off x="0" y="0"/>
+          <a:ext cx="0" cy="0"/>
+          <a:chOff x="0" y="0"/>
+          <a:chExt cx="0" cy="0"/>
+        </a:xfrm>
+      </p:grpSpPr>
+      <p:sp>
+        <p:nvSpPr>
+          <p:cNvPr id="2" name="Title 1">
+            <a:extLst>
+              <a:ext uri="{FF2B5EF4-FFF2-40B4-BE49-F238E27FC236}">
+                <a16:creationId xmlns:a16="http://schemas.microsoft.com/office/drawing/2014/main" id="{0E69910E-1149-AC46-6F38-6700C815FF66}"/>
+              </a:ext>
+            </a:extLst>
+          </p:cNvPr>
+          <p:cNvSpPr>
+            <a:spLocks noGrp="1"/>
+          </p:cNvSpPr>
+          <p:nvPr>
+            <p:ph type="title"/>
+          </p:nvPr>
+        </p:nvSpPr>
+        <p:spPr>
+          <a:xfrm>
+            <a:off x="948843" y="181706"/>
+            <a:ext cx="2465869" cy="975581"/>
+          </a:xfrm>
+        </p:spPr>
+        <p:txBody>
+          <a:bodyPr/>
+          <a:lstStyle/>
+          <a:p>
+            <a:r>
+              <a:rPr lang="en-US" sz="3400" dirty="0"/>
+              <a:t>OUR </a:t>
+            </a:r>
+            <a:r>
+              <a:rPr lang="en-US" sz="3400" dirty="0">
+                <a:solidFill>
+                  <a:schemeClr val="accent6"/>
+                </a:solidFill>
+              </a:rPr>
+              <a:t>IDEA</a:t>
+            </a:r>
+            <a:endParaRPr lang="bg-BG" sz="3400" dirty="0">
+              <a:solidFill>
+                <a:schemeClr val="accent6"/>
+              </a:solidFill>
+            </a:endParaRPr>
+          </a:p>
+        </p:txBody>
+      </p:sp>
+      <p:sp>
+        <p:nvSpPr>
+          <p:cNvPr id="3" name="Google Shape;665;p40">
+            <a:extLst>
+              <a:ext uri="{FF2B5EF4-FFF2-40B4-BE49-F238E27FC236}">
+                <a16:creationId xmlns:a16="http://schemas.microsoft.com/office/drawing/2014/main" id="{29E6F260-8478-277E-0EE6-C21CB01925FE}"/>
+              </a:ext>
+            </a:extLst>
+          </p:cNvPr>
+          <p:cNvSpPr/>
+          <p:nvPr/>
+        </p:nvSpPr>
+        <p:spPr>
+          <a:xfrm>
+            <a:off x="6783831" y="370288"/>
+            <a:ext cx="1968600" cy="1968600"/>
+          </a:xfrm>
+          <a:prstGeom prst="donut">
+            <a:avLst>
+              <a:gd name="adj" fmla="val 772"/>
+            </a:avLst>
+          </a:prstGeom>
+          <a:gradFill>
+            <a:gsLst>
+              <a:gs pos="0">
+                <a:schemeClr val="accent2"/>
+              </a:gs>
+              <a:gs pos="100000">
+                <a:schemeClr val="accent6"/>
+              </a:gs>
+            </a:gsLst>
+            <a:lin ang="5400012" scaled="0"/>
+          </a:gradFill>
+          <a:ln>
+            <a:noFill/>
+          </a:ln>
+          <a:effectLst>
+            <a:outerShdw blurRad="57150" dist="19050" dir="5400000" algn="bl" rotWithShape="0">
+              <a:schemeClr val="lt1">
+                <a:alpha val="50000"/>
+              </a:schemeClr>
+            </a:outerShdw>
+          </a:effectLst>
+        </p:spPr>
+        <p:txBody>
+          <a:bodyPr spcFirstLastPara="1" wrap="square" lIns="91425" tIns="91425" rIns="91425" bIns="91425" anchor="ctr" anchorCtr="0">
+            <a:noAutofit/>
+          </a:bodyPr>
+          <a:lstStyle/>
+          <a:p>
+            <a:pPr marL="0" lvl="0" indent="0" algn="l" rtl="0">
+              <a:spcBef>
+                <a:spcPts val="0"/>
+              </a:spcBef>
+              <a:spcAft>
+                <a:spcPts val="0"/>
+              </a:spcAft>
+              <a:buNone/>
+            </a:pPr>
+            <a:endParaRPr/>
+          </a:p>
+        </p:txBody>
+      </p:sp>
+      <p:sp>
+        <p:nvSpPr>
+          <p:cNvPr id="4" name="Google Shape;665;p40">
+            <a:extLst>
+              <a:ext uri="{FF2B5EF4-FFF2-40B4-BE49-F238E27FC236}">
+                <a16:creationId xmlns:a16="http://schemas.microsoft.com/office/drawing/2014/main" id="{E78CCB97-C1CD-9AE5-34DF-52810011EF1C}"/>
+              </a:ext>
+            </a:extLst>
+          </p:cNvPr>
+          <p:cNvSpPr/>
+          <p:nvPr/>
+        </p:nvSpPr>
+        <p:spPr>
+          <a:xfrm>
+            <a:off x="6012307" y="-1058463"/>
+            <a:ext cx="1968600" cy="1968600"/>
+          </a:xfrm>
+          <a:prstGeom prst="donut">
+            <a:avLst>
+              <a:gd name="adj" fmla="val 772"/>
+            </a:avLst>
+          </a:prstGeom>
+          <a:gradFill>
+            <a:gsLst>
+              <a:gs pos="0">
+                <a:schemeClr val="accent2"/>
+              </a:gs>
+              <a:gs pos="100000">
+                <a:schemeClr val="accent6"/>
+              </a:gs>
+            </a:gsLst>
+            <a:lin ang="5400012" scaled="0"/>
+          </a:gradFill>
+          <a:ln>
+            <a:noFill/>
+          </a:ln>
+          <a:effectLst>
+            <a:outerShdw blurRad="57150" dist="19050" dir="5400000" algn="bl" rotWithShape="0">
+              <a:schemeClr val="lt1">
+                <a:alpha val="50000"/>
+              </a:schemeClr>
+            </a:outerShdw>
+          </a:effectLst>
+        </p:spPr>
+        <p:txBody>
+          <a:bodyPr spcFirstLastPara="1" wrap="square" lIns="91425" tIns="91425" rIns="91425" bIns="91425" anchor="ctr" anchorCtr="0">
+            <a:noAutofit/>
+          </a:bodyPr>
+          <a:lstStyle/>
+          <a:p>
+            <a:pPr marL="0" lvl="0" indent="0" algn="l" rtl="0">
+              <a:spcBef>
+                <a:spcPts val="0"/>
+              </a:spcBef>
+              <a:spcAft>
+                <a:spcPts val="0"/>
+              </a:spcAft>
+              <a:buNone/>
+            </a:pPr>
+            <a:endParaRPr/>
+          </a:p>
+        </p:txBody>
+      </p:sp>
+      <p:pic>
+        <p:nvPicPr>
+          <p:cNvPr id="5" name="Google Shape;663;p40">
+            <a:extLst>
+              <a:ext uri="{FF2B5EF4-FFF2-40B4-BE49-F238E27FC236}">
+                <a16:creationId xmlns:a16="http://schemas.microsoft.com/office/drawing/2014/main" id="{DB74D862-8EE8-BB74-9981-334B1E92C685}"/>
+              </a:ext>
+            </a:extLst>
+          </p:cNvPr>
+          <p:cNvPicPr preferRelativeResize="0"/>
+          <p:nvPr/>
+        </p:nvPicPr>
+        <p:blipFill>
+          <a:blip r:embed="rId2"/>
+          <a:srcRect t="612" b="612"/>
+          <a:stretch/>
+        </p:blipFill>
+        <p:spPr>
+          <a:xfrm>
+            <a:off x="3910583" y="910137"/>
+            <a:ext cx="2660399" cy="2545900"/>
+          </a:xfrm>
+          <a:prstGeom prst="ellipse">
+            <a:avLst/>
+          </a:prstGeom>
+          <a:noFill/>
+          <a:ln>
+            <a:noFill/>
+          </a:ln>
+          <a:effectLst>
+            <a:outerShdw blurRad="57150" dist="19050" dir="5400000" algn="bl" rotWithShape="0">
+              <a:schemeClr val="lt1">
+                <a:alpha val="50000"/>
+              </a:schemeClr>
+            </a:outerShdw>
+          </a:effectLst>
+        </p:spPr>
+      </p:pic>
+      <p:pic>
+        <p:nvPicPr>
+          <p:cNvPr id="6" name="Google Shape;663;p40">
+            <a:extLst>
+              <a:ext uri="{FF2B5EF4-FFF2-40B4-BE49-F238E27FC236}">
+                <a16:creationId xmlns:a16="http://schemas.microsoft.com/office/drawing/2014/main" id="{327E1D37-0E0D-63FC-A8B7-97AC40A0E3FF}"/>
+              </a:ext>
+            </a:extLst>
+          </p:cNvPr>
+          <p:cNvPicPr preferRelativeResize="0"/>
+          <p:nvPr/>
+        </p:nvPicPr>
+        <p:blipFill>
+          <a:blip r:embed="rId3"/>
+          <a:srcRect t="612" b="612"/>
+          <a:stretch/>
+        </p:blipFill>
+        <p:spPr>
+          <a:xfrm>
+            <a:off x="747169" y="1790138"/>
+            <a:ext cx="2617537" cy="2545900"/>
+          </a:xfrm>
+          <a:prstGeom prst="ellipse">
+            <a:avLst/>
+          </a:prstGeom>
+          <a:noFill/>
+          <a:ln>
+            <a:noFill/>
+          </a:ln>
+          <a:effectLst>
+            <a:outerShdw blurRad="57150" dist="19050" dir="5400000" algn="bl" rotWithShape="0">
+              <a:schemeClr val="lt1">
+                <a:alpha val="50000"/>
+              </a:schemeClr>
+            </a:outerShdw>
+          </a:effectLst>
+        </p:spPr>
+      </p:pic>
+    </p:spTree>
+    <p:extLst>
+      <p:ext uri="{BB962C8B-B14F-4D97-AF65-F5344CB8AC3E}">
+        <p14:creationId xmlns:p14="http://schemas.microsoft.com/office/powerpoint/2010/main" val="1636178187"/>
+      </p:ext>
+    </p:extLst>
+  </p:cSld>
+  <p:clrMapOvr>
+    <a:masterClrMapping/>
+  </p:clrMapOvr>
+  <p:timing>
+    <p:tnLst>
+      <p:par>
+        <p:cTn id="1" dur="indefinite" restart="never" nodeType="tmRoot">
+          <p:childTnLst>
+            <p:seq concurrent="1" nextAc="seek">
+              <p:cTn id="2" dur="indefinite" nodeType="mainSeq">
+                <p:childTnLst>
+                  <p:par>
+                    <p:cTn id="3" fill="hold">
+                      <p:stCondLst>
+                        <p:cond delay="indefinite"/>
+                        <p:cond evt="onBegin" delay="0">
+                          <p:tn val="2"/>
+                        </p:cond>
+                      </p:stCondLst>
+                      <p:childTnLst>
+                        <p:par>
+                          <p:cTn id="4" fill="hold">
+                            <p:stCondLst>
+                              <p:cond delay="0"/>
+                            </p:stCondLst>
+                            <p:childTnLst>
+                              <p:par>
+                                <p:cTn id="5" presetID="10" presetClass="entr" presetSubtype="0" fill="hold" nodeType="afterEffect">
+                                  <p:stCondLst>
+                                    <p:cond delay="0"/>
+                                  </p:stCondLst>
+                                  <p:childTnLst>
+                                    <p:set>
+                                      <p:cBhvr>
+                                        <p:cTn id="6" dur="1" fill="hold">
+                                          <p:stCondLst>
+                                            <p:cond delay="0"/>
+                                          </p:stCondLst>
+                                        </p:cTn>
+                                        <p:tgtEl>
+                                          <p:spTgt spid="5"/>
+                                        </p:tgtEl>
+                                        <p:attrNameLst>
+                                          <p:attrName>style.visibility</p:attrName>
+                                        </p:attrNameLst>
+                                      </p:cBhvr>
+                                      <p:to>
+                                        <p:strVal val="visible"/>
+                                      </p:to>
+                                    </p:set>
+                                    <p:animEffect transition="in" filter="fade">
+                                      <p:cBhvr>
+                                        <p:cTn id="7" dur="1000"/>
+                                        <p:tgtEl>
+                                          <p:spTgt spid="5"/>
+                                        </p:tgtEl>
+                                      </p:cBhvr>
+                                    </p:animEffect>
+                                  </p:childTnLst>
+                                </p:cTn>
+                              </p:par>
+                            </p:childTnLst>
+                          </p:cTn>
+                        </p:par>
+                        <p:par>
+                          <p:cTn id="8" fill="hold">
+                            <p:stCondLst>
+                              <p:cond delay="1000"/>
+                            </p:stCondLst>
+                            <p:childTnLst>
+                              <p:par>
+                                <p:cTn id="9" presetID="10" presetClass="entr" presetSubtype="0" fill="hold" nodeType="afterEffect">
+                                  <p:stCondLst>
+                                    <p:cond delay="0"/>
+                                  </p:stCondLst>
+                                  <p:childTnLst>
+                                    <p:set>
+                                      <p:cBhvr>
+                                        <p:cTn id="10" dur="1" fill="hold">
+                                          <p:stCondLst>
+                                            <p:cond delay="0"/>
+                                          </p:stCondLst>
+                                        </p:cTn>
+                                        <p:tgtEl>
+                                          <p:spTgt spid="6"/>
+                                        </p:tgtEl>
+                                        <p:attrNameLst>
+                                          <p:attrName>style.visibility</p:attrName>
+                                        </p:attrNameLst>
+                                      </p:cBhvr>
+                                      <p:to>
+                                        <p:strVal val="visible"/>
+                                      </p:to>
+                                    </p:set>
+                                    <p:animEffect transition="in" filter="fade">
+                                      <p:cBhvr>
+                                        <p:cTn id="11" dur="1000"/>
+                                        <p:tgtEl>
+                                          <p:spTgt spid="6"/>
+                                        </p:tgtEl>
+                                      </p:cBhvr>
+                                    </p:animEffect>
+                                  </p:childTnLst>
+                                </p:cTn>
+                              </p:par>
+                            </p:childTnLst>
+                          </p:cTn>
+                        </p:par>
+                      </p:childTnLst>
+                    </p:cTn>
+                  </p:par>
+                </p:childTnLst>
+              </p:cTn>
+              <p:prevCondLst>
+                <p:cond evt="onPrev" delay="0">
+                  <p:tgtEl>
+                    <p:sldTgt/>
+                  </p:tgtEl>
+                </p:cond>
+              </p:prevCondLst>
+              <p:nextCondLst>
+                <p:cond evt="onNext" delay="0">
+                  <p:tgtEl>
+                    <p:sldTgt/>
+                  </p:tgtEl>
+                </p:cond>
+              </p:nextCondLst>
+            </p:seq>
+          </p:childTnLst>
+        </p:cTn>
+      </p:par>
+    </p:tnLst>
+  </p:timing>
+</p:sld>
+</file>
+
+<file path=ppt/slides/slide4.xml><?xml version="1.0" encoding="utf-8"?>
+<p:sld xmlns:a="http://schemas.openxmlformats.org/drawingml/2006/main" xmlns:r="http://schemas.openxmlformats.org/officeDocument/2006/relationships" xmlns:p="http://schemas.openxmlformats.org/presentationml/2006/main">
+  <p:cSld>
+    <p:spTree>
+      <p:nvGrpSpPr>
         <p:cNvPr id="1" name="Shape 1174"/>
         <p:cNvGrpSpPr/>
         <p:nvPr/>
@@ -16051,72 +16460,6 @@
       </p:grpSpPr>
       <p:sp>
         <p:nvSpPr>
-          <p:cNvPr id="1175" name="Google Shape;1175;p45"/>
-          <p:cNvSpPr txBox="1">
-            <a:spLocks noGrp="1"/>
-          </p:cNvSpPr>
-          <p:nvPr>
-            <p:ph type="title"/>
-          </p:nvPr>
-        </p:nvSpPr>
-        <p:spPr>
-          <a:xfrm>
-            <a:off x="505931" y="439994"/>
-            <a:ext cx="7717800" cy="572700"/>
-          </a:xfrm>
-          <a:prstGeom prst="rect">
-            <a:avLst/>
-          </a:prstGeom>
-        </p:spPr>
-        <p:txBody>
-          <a:bodyPr spcFirstLastPara="1" wrap="square" lIns="91425" tIns="91425" rIns="91425" bIns="91425" anchor="t" anchorCtr="0">
-            <a:noAutofit/>
-          </a:bodyPr>
-          <a:lstStyle/>
-          <a:p>
-            <a:pPr marL="0" lvl="0" indent="0" algn="l" rtl="0">
-              <a:spcBef>
-                <a:spcPts val="0"/>
-              </a:spcBef>
-              <a:spcAft>
-                <a:spcPts val="0"/>
-              </a:spcAft>
-              <a:buNone/>
-            </a:pPr>
-            <a:r>
-              <a:rPr lang="en" dirty="0">
-                <a:solidFill>
-                  <a:schemeClr val="bg1"/>
-                </a:solidFill>
-              </a:rPr>
-              <a:t>OUR</a:t>
-            </a:r>
-            <a:r>
-              <a:rPr lang="en" dirty="0">
-                <a:solidFill>
-                  <a:schemeClr val="accent6"/>
-                </a:solidFill>
-              </a:rPr>
-              <a:t> </a:t>
-            </a:r>
-            <a:r>
-              <a:rPr lang="en" dirty="0">
-                <a:solidFill>
-                  <a:schemeClr val="bg1"/>
-                </a:solidFill>
-              </a:rPr>
-              <a:t>IDEA</a:t>
-            </a:r>
-            <a:endParaRPr dirty="0">
-              <a:solidFill>
-                <a:schemeClr val="bg1"/>
-              </a:solidFill>
-            </a:endParaRPr>
-          </a:p>
-        </p:txBody>
-      </p:sp>
-      <p:sp>
-        <p:nvSpPr>
           <p:cNvPr id="1170" name="TextBox 1169">
             <a:extLst>
               <a:ext uri="{FF2B5EF4-FFF2-40B4-BE49-F238E27FC236}">
@@ -16129,7 +16472,7 @@
         </p:nvSpPr>
         <p:spPr>
           <a:xfrm>
-            <a:off x="2607468" y="465649"/>
+            <a:off x="530954" y="497143"/>
             <a:ext cx="5616263" cy="615553"/>
           </a:xfrm>
           <a:prstGeom prst="rect">
@@ -16146,11 +16489,20 @@
             <a:r>
               <a:rPr lang="en-US" sz="3400" dirty="0">
                 <a:solidFill>
+                  <a:schemeClr val="bg1"/>
+                </a:solidFill>
+                <a:latin typeface="Manrope" panose="020B0604020202020204" charset="0"/>
+              </a:rPr>
+              <a:t>STAGES OF </a:t>
+            </a:r>
+            <a:r>
+              <a:rPr lang="en-US" sz="3400" dirty="0">
+                <a:solidFill>
                   <a:schemeClr val="accent6"/>
                 </a:solidFill>
                 <a:latin typeface="Manrope" panose="020B0604020202020204" charset="0"/>
               </a:rPr>
-              <a:t>STAGES OF DEVELOPMENT</a:t>
+              <a:t>DEVELOPMENT</a:t>
             </a:r>
             <a:endParaRPr lang="bg-BG" sz="3400" dirty="0">
               <a:solidFill>
@@ -16442,49 +16794,14 @@
                             </p:stCondLst>
                             <p:childTnLst>
                               <p:par>
-                                <p:cTn id="5" presetID="22" presetClass="entr" presetSubtype="8" fill="hold" grpId="0" nodeType="afterEffect">
-                                  <p:stCondLst>
-                                    <p:cond delay="0"/>
-                                  </p:stCondLst>
-                                  <p:childTnLst>
-                                    <p:set>
-                                      <p:cBhvr>
-                                        <p:cTn id="6" dur="1" fill="hold">
-                                          <p:stCondLst>
-                                            <p:cond delay="0"/>
-                                          </p:stCondLst>
-                                        </p:cTn>
-                                        <p:tgtEl>
-                                          <p:spTgt spid="1175"/>
-                                        </p:tgtEl>
-                                        <p:attrNameLst>
-                                          <p:attrName>style.visibility</p:attrName>
-                                        </p:attrNameLst>
-                                      </p:cBhvr>
-                                      <p:to>
-                                        <p:strVal val="visible"/>
-                                      </p:to>
-                                    </p:set>
-                                    <p:animEffect transition="in" filter="wipe(left)">
-                                      <p:cBhvr>
-                                        <p:cTn id="7" dur="1000"/>
-                                        <p:tgtEl>
-                                          <p:spTgt spid="1175"/>
-                                        </p:tgtEl>
-                                      </p:cBhvr>
-                                    </p:animEffect>
-                                  </p:childTnLst>
-                                </p:cTn>
-                              </p:par>
-                              <p:par>
-                                <p:cTn id="8" presetID="22" presetClass="entr" presetSubtype="2" fill="hold" grpId="0" nodeType="withEffect">
+                                <p:cTn id="5" presetID="22" presetClass="entr" presetSubtype="2" fill="hold" grpId="0" nodeType="withEffect">
                                   <p:stCondLst>
                                     <p:cond delay="500"/>
                                   </p:stCondLst>
                                   <p:childTnLst>
                                     <p:set>
                                       <p:cBhvr>
-                                        <p:cTn id="9" dur="1" fill="hold">
+                                        <p:cTn id="6" dur="1" fill="hold">
                                           <p:stCondLst>
                                             <p:cond delay="0"/>
                                           </p:stCondLst>
@@ -16502,7 +16819,7 @@
                                     </p:set>
                                     <p:animEffect transition="in" filter="wipe(right)">
                                       <p:cBhvr>
-                                        <p:cTn id="10" dur="1000"/>
+                                        <p:cTn id="7" dur="1000"/>
                                         <p:tgtEl>
                                           <p:spTgt spid="1170"/>
                                         </p:tgtEl>
@@ -16515,20 +16832,20 @@
                           </p:cTn>
                         </p:par>
                         <p:par>
-                          <p:cTn id="11" fill="hold">
+                          <p:cTn id="8" fill="hold">
                             <p:stCondLst>
                               <p:cond delay="1500"/>
                             </p:stCondLst>
                             <p:childTnLst>
                               <p:par>
-                                <p:cTn id="12" presetID="10" presetClass="entr" presetSubtype="0" fill="hold" grpId="0" nodeType="afterEffect">
+                                <p:cTn id="9" presetID="10" presetClass="entr" presetSubtype="0" fill="hold" grpId="0" nodeType="afterEffect">
                                   <p:stCondLst>
                                     <p:cond delay="0"/>
                                   </p:stCondLst>
                                   <p:childTnLst>
                                     <p:set>
                                       <p:cBhvr>
-                                        <p:cTn id="13" dur="1" fill="hold">
+                                        <p:cTn id="10" dur="1" fill="hold">
                                           <p:stCondLst>
                                             <p:cond delay="0"/>
                                           </p:stCondLst>
@@ -16546,7 +16863,7 @@
                                     </p:set>
                                     <p:animEffect transition="in" filter="fade">
                                       <p:cBhvr>
-                                        <p:cTn id="14" dur="1000"/>
+                                        <p:cTn id="11" dur="1000"/>
                                         <p:tgtEl>
                                           <p:spTgt spid="1235"/>
                                         </p:tgtEl>
@@ -16556,14 +16873,14 @@
                                 </p:cTn>
                               </p:par>
                               <p:par>
-                                <p:cTn id="15" presetID="10" presetClass="entr" presetSubtype="0" fill="hold" nodeType="withEffect">
+                                <p:cTn id="12" presetID="10" presetClass="entr" presetSubtype="0" fill="hold" nodeType="withEffect">
                                   <p:stCondLst>
                                     <p:cond delay="250"/>
                                   </p:stCondLst>
                                   <p:childTnLst>
                                     <p:set>
                                       <p:cBhvr>
-                                        <p:cTn id="16" dur="1" fill="hold">
+                                        <p:cTn id="13" dur="1" fill="hold">
                                           <p:stCondLst>
                                             <p:cond delay="0"/>
                                           </p:stCondLst>
@@ -16581,7 +16898,7 @@
                                     </p:set>
                                     <p:animEffect transition="in" filter="fade">
                                       <p:cBhvr>
-                                        <p:cTn id="17" dur="1000"/>
+                                        <p:cTn id="14" dur="1000"/>
                                         <p:tgtEl>
                                           <p:spTgt spid="1232"/>
                                         </p:tgtEl>
@@ -16594,20 +16911,20 @@
                           </p:cTn>
                         </p:par>
                         <p:par>
-                          <p:cTn id="18" fill="hold">
+                          <p:cTn id="15" fill="hold">
                             <p:stCondLst>
                               <p:cond delay="2750"/>
                             </p:stCondLst>
                             <p:childTnLst>
                               <p:par>
-                                <p:cTn id="19" presetID="10" presetClass="entr" presetSubtype="0" fill="hold" grpId="0" nodeType="afterEffect">
+                                <p:cTn id="16" presetID="10" presetClass="entr" presetSubtype="0" fill="hold" grpId="0" nodeType="afterEffect">
                                   <p:stCondLst>
                                     <p:cond delay="0"/>
                                   </p:stCondLst>
                                   <p:childTnLst>
                                     <p:set>
                                       <p:cBhvr>
-                                        <p:cTn id="20" dur="1" fill="hold">
+                                        <p:cTn id="17" dur="1" fill="hold">
                                           <p:stCondLst>
                                             <p:cond delay="0"/>
                                           </p:stCondLst>
@@ -16625,7 +16942,7 @@
                                     </p:set>
                                     <p:animEffect transition="in" filter="fade">
                                       <p:cBhvr>
-                                        <p:cTn id="21" dur="1000"/>
+                                        <p:cTn id="18" dur="1000"/>
                                         <p:tgtEl>
                                           <p:spTgt spid="1236"/>
                                         </p:tgtEl>
@@ -16635,14 +16952,14 @@
                                 </p:cTn>
                               </p:par>
                               <p:par>
-                                <p:cTn id="22" presetID="10" presetClass="entr" presetSubtype="0" fill="hold" nodeType="withEffect">
+                                <p:cTn id="19" presetID="10" presetClass="entr" presetSubtype="0" fill="hold" nodeType="withEffect">
                                   <p:stCondLst>
                                     <p:cond delay="250"/>
                                   </p:stCondLst>
                                   <p:childTnLst>
                                     <p:set>
                                       <p:cBhvr>
-                                        <p:cTn id="23" dur="1" fill="hold">
+                                        <p:cTn id="20" dur="1" fill="hold">
                                           <p:stCondLst>
                                             <p:cond delay="0"/>
                                           </p:stCondLst>
@@ -16660,7 +16977,7 @@
                                     </p:set>
                                     <p:animEffect transition="in" filter="fade">
                                       <p:cBhvr>
-                                        <p:cTn id="24" dur="1000"/>
+                                        <p:cTn id="21" dur="1000"/>
                                         <p:tgtEl>
                                           <p:spTgt spid="1234"/>
                                         </p:tgtEl>
@@ -16673,20 +16990,20 @@
                           </p:cTn>
                         </p:par>
                         <p:par>
-                          <p:cTn id="25" fill="hold">
+                          <p:cTn id="22" fill="hold">
                             <p:stCondLst>
                               <p:cond delay="4000"/>
                             </p:stCondLst>
                             <p:childTnLst>
                               <p:par>
-                                <p:cTn id="26" presetID="10" presetClass="entr" presetSubtype="0" fill="hold" grpId="0" nodeType="afterEffect">
+                                <p:cTn id="23" presetID="10" presetClass="entr" presetSubtype="0" fill="hold" grpId="0" nodeType="afterEffect">
                                   <p:stCondLst>
                                     <p:cond delay="0"/>
                                   </p:stCondLst>
                                   <p:childTnLst>
                                     <p:set>
                                       <p:cBhvr>
-                                        <p:cTn id="27" dur="1" fill="hold">
+                                        <p:cTn id="24" dur="1" fill="hold">
                                           <p:stCondLst>
                                             <p:cond delay="0"/>
                                           </p:stCondLst>
@@ -16704,7 +17021,7 @@
                                     </p:set>
                                     <p:animEffect transition="in" filter="fade">
                                       <p:cBhvr>
-                                        <p:cTn id="28" dur="1000"/>
+                                        <p:cTn id="25" dur="1000"/>
                                         <p:tgtEl>
                                           <p:spTgt spid="1237"/>
                                         </p:tgtEl>
@@ -16714,14 +17031,14 @@
                                 </p:cTn>
                               </p:par>
                               <p:par>
-                                <p:cTn id="29" presetID="10" presetClass="entr" presetSubtype="0" fill="hold" nodeType="withEffect">
+                                <p:cTn id="26" presetID="10" presetClass="entr" presetSubtype="0" fill="hold" nodeType="withEffect">
                                   <p:stCondLst>
                                     <p:cond delay="250"/>
                                   </p:stCondLst>
                                   <p:childTnLst>
                                     <p:set>
                                       <p:cBhvr>
-                                        <p:cTn id="30" dur="1" fill="hold">
+                                        <p:cTn id="27" dur="1" fill="hold">
                                           <p:stCondLst>
                                             <p:cond delay="0"/>
                                           </p:stCondLst>
@@ -16739,7 +17056,7 @@
                                     </p:set>
                                     <p:animEffect transition="in" filter="fade">
                                       <p:cBhvr>
-                                        <p:cTn id="31" dur="1000"/>
+                                        <p:cTn id="28" dur="1000"/>
                                         <p:tgtEl>
                                           <p:spTgt spid="1233"/>
                                         </p:tgtEl>
@@ -16776,7 +17093,6 @@
       </p:par>
     </p:tnLst>
     <p:bldLst>
-      <p:bldP spid="1175" grpId="0"/>
       <p:bldP spid="1170" grpId="0"/>
       <p:bldP spid="1235" grpId="0"/>
       <p:bldP spid="1236" grpId="0"/>
@@ -16786,7 +17102,7 @@
 </p:sld>
 </file>
 
-<file path=ppt/slides/slide4.xml><?xml version="1.0" encoding="utf-8"?>
+<file path=ppt/slides/slide5.xml><?xml version="1.0" encoding="utf-8"?>
 <p:sld xmlns:a="http://schemas.openxmlformats.org/drawingml/2006/main" xmlns:r="http://schemas.openxmlformats.org/officeDocument/2006/relationships" xmlns:p="http://schemas.openxmlformats.org/presentationml/2006/main">
   <p:cSld>
     <p:spTree>
@@ -16891,38 +17207,8 @@
         </p:blipFill>
         <p:spPr>
           <a:xfrm>
-            <a:off x="1959284" y="1404020"/>
+            <a:off x="2687056" y="1481784"/>
             <a:ext cx="1115341" cy="1574755"/>
-          </a:xfrm>
-          <a:prstGeom prst="rect">
-            <a:avLst/>
-          </a:prstGeom>
-        </p:spPr>
-      </p:pic>
-      <p:pic>
-        <p:nvPicPr>
-          <p:cNvPr id="9" name="Picture 8" descr="A logo of a camera&#10;&#10;Description automatically generated with medium confidence">
-            <a:extLst>
-              <a:ext uri="{FF2B5EF4-FFF2-40B4-BE49-F238E27FC236}">
-                <a16:creationId xmlns:a16="http://schemas.microsoft.com/office/drawing/2014/main" id="{39C71F04-06BA-D558-D252-B66B1D356326}"/>
-              </a:ext>
-            </a:extLst>
-          </p:cNvPr>
-          <p:cNvPicPr>
-            <a:picLocks noChangeAspect="1"/>
-          </p:cNvPicPr>
-          <p:nvPr/>
-        </p:nvPicPr>
-        <p:blipFill>
-          <a:blip r:embed="rId4"/>
-          <a:stretch>
-            <a:fillRect/>
-          </a:stretch>
-        </p:blipFill>
-        <p:spPr>
-          <a:xfrm>
-            <a:off x="4742487" y="3478922"/>
-            <a:ext cx="1337196" cy="1366972"/>
           </a:xfrm>
           <a:prstGeom prst="rect">
             <a:avLst/>
@@ -16944,14 +17230,14 @@
           <p:nvPr/>
         </p:nvPicPr>
         <p:blipFill>
-          <a:blip r:embed="rId5"/>
+          <a:blip r:embed="rId4"/>
           <a:stretch>
             <a:fillRect/>
           </a:stretch>
         </p:blipFill>
         <p:spPr>
           <a:xfrm>
-            <a:off x="5440724" y="1565594"/>
+            <a:off x="6627732" y="1599500"/>
             <a:ext cx="1573539" cy="1547314"/>
           </a:xfrm>
           <a:prstGeom prst="rect">
@@ -16974,14 +17260,14 @@
           <p:nvPr/>
         </p:nvPicPr>
         <p:blipFill>
-          <a:blip r:embed="rId6"/>
+          <a:blip r:embed="rId5"/>
           <a:stretch>
             <a:fillRect/>
           </a:stretch>
         </p:blipFill>
         <p:spPr>
           <a:xfrm>
-            <a:off x="685377" y="3128757"/>
+            <a:off x="2173550" y="3056539"/>
             <a:ext cx="1903015" cy="1903015"/>
           </a:xfrm>
           <a:prstGeom prst="rect">
@@ -17004,27 +17290,42 @@
           <p:nvPr/>
         </p:nvPicPr>
         <p:blipFill>
-          <a:blip r:embed="rId7">
-            <a:extLst>
-              <a:ext uri="{28A0092B-C50C-407E-A947-70E740481C1C}">
-                <a14:useLocalDpi xmlns:a14="http://schemas.microsoft.com/office/drawing/2010/main" val="0"/>
-              </a:ext>
-            </a:extLst>
-          </a:blip>
+          <a:blip r:embed="rId6"/>
           <a:srcRect/>
-          <a:stretch>
-            <a:fillRect/>
-          </a:stretch>
+          <a:stretch/>
         </p:blipFill>
         <p:spPr bwMode="auto">
           <a:xfrm>
-            <a:off x="3538537" y="1565594"/>
-            <a:ext cx="1438275" cy="1419225"/>
+            <a:off x="4631992" y="1559548"/>
+            <a:ext cx="1419225" cy="1419225"/>
           </a:xfrm>
-          <a:prstGeom prst="rect">
+          <a:prstGeom prst="ellipse">
             <a:avLst/>
           </a:prstGeom>
-          <a:noFill/>
+          <a:ln w="63500" cap="rnd">
+            <a:solidFill>
+              <a:srgbClr val="333333"/>
+            </a:solidFill>
+          </a:ln>
+          <a:effectLst>
+            <a:outerShdw blurRad="381000" dist="292100" dir="5400000" sx="-80000" sy="-18000" rotWithShape="0">
+              <a:srgbClr val="000000">
+                <a:alpha val="22000"/>
+              </a:srgbClr>
+            </a:outerShdw>
+          </a:effectLst>
+          <a:scene3d>
+            <a:camera prst="orthographicFront"/>
+            <a:lightRig rig="contrasting" dir="t">
+              <a:rot lat="0" lon="0" rev="3000000"/>
+            </a:lightRig>
+          </a:scene3d>
+          <a:sp3d contourW="7620">
+            <a:bevelT w="95250" h="31750"/>
+            <a:contourClr>
+              <a:srgbClr val="333333"/>
+            </a:contourClr>
+          </a:sp3d>
           <a:extLst>
             <a:ext uri="{909E8E84-426E-40DD-AFC4-6F175D3DCCD1}">
               <a14:hiddenFill xmlns:a14="http://schemas.microsoft.com/office/drawing/2010/main">
@@ -17051,7 +17352,7 @@
           <p:nvPr/>
         </p:nvPicPr>
         <p:blipFill>
-          <a:blip r:embed="rId8">
+          <a:blip r:embed="rId7">
             <a:extLst>
               <a:ext uri="{28A0092B-C50C-407E-A947-70E740481C1C}">
                 <a14:useLocalDpi xmlns:a14="http://schemas.microsoft.com/office/drawing/2010/main" val="0"/>
@@ -17065,7 +17366,7 @@
         </p:blipFill>
         <p:spPr bwMode="auto">
           <a:xfrm>
-            <a:off x="-32171" y="1285737"/>
+            <a:off x="295699" y="1347652"/>
             <a:ext cx="1843020" cy="1843020"/>
           </a:xfrm>
           <a:prstGeom prst="rect">
@@ -17098,7 +17399,7 @@
           <p:nvPr/>
         </p:nvPicPr>
         <p:blipFill>
-          <a:blip r:embed="rId9">
+          <a:blip r:embed="rId8">
             <a:extLst>
               <a:ext uri="{28A0092B-C50C-407E-A947-70E740481C1C}">
                 <a14:useLocalDpi xmlns:a14="http://schemas.microsoft.com/office/drawing/2010/main" val="0"/>
@@ -17112,7 +17413,7 @@
         </p:blipFill>
         <p:spPr bwMode="auto">
           <a:xfrm>
-            <a:off x="2595562" y="3121234"/>
+            <a:off x="4350734" y="3056539"/>
             <a:ext cx="1885950" cy="1866900"/>
           </a:xfrm>
           <a:prstGeom prst="rect">
@@ -17145,14 +17446,14 @@
           <p:nvPr/>
         </p:nvPicPr>
         <p:blipFill>
-          <a:blip r:embed="rId10"/>
+          <a:blip r:embed="rId9"/>
           <a:stretch>
             <a:fillRect/>
           </a:stretch>
         </p:blipFill>
         <p:spPr>
           <a:xfrm>
-            <a:off x="7414502" y="1688398"/>
+            <a:off x="398775" y="3357193"/>
             <a:ext cx="1301706" cy="1301706"/>
           </a:xfrm>
           <a:prstGeom prst="rect">
@@ -17175,7 +17476,7 @@
           <p:nvPr/>
         </p:nvPicPr>
         <p:blipFill>
-          <a:blip r:embed="rId11"/>
+          <a:blip r:embed="rId10"/>
           <a:stretch>
             <a:fillRect/>
           </a:stretch>
@@ -17584,7 +17885,7 @@
                                           </p:stCondLst>
                                         </p:cTn>
                                         <p:tgtEl>
-                                          <p:spTgt spid="9"/>
+                                          <p:spTgt spid="3"/>
                                         </p:tgtEl>
                                         <p:attrNameLst>
                                           <p:attrName>style.visibility</p:attrName>
@@ -17597,50 +17898,6 @@
                                     <p:animEffect transition="in" filter="fade">
                                       <p:cBhvr>
                                         <p:cTn id="39" dur="750"/>
-                                        <p:tgtEl>
-                                          <p:spTgt spid="9"/>
-                                        </p:tgtEl>
-                                      </p:cBhvr>
-                                    </p:animEffect>
-                                  </p:childTnLst>
-                                </p:cTn>
-                              </p:par>
-                            </p:childTnLst>
-                          </p:cTn>
-                        </p:par>
-                        <p:par>
-                          <p:cTn id="40" fill="hold">
-                            <p:stCondLst>
-                              <p:cond delay="7500"/>
-                            </p:stCondLst>
-                            <p:childTnLst>
-                              <p:par>
-                                <p:cTn id="41" presetID="10" presetClass="entr" presetSubtype="0" fill="hold" nodeType="afterEffect">
-                                  <p:stCondLst>
-                                    <p:cond delay="0"/>
-                                  </p:stCondLst>
-                                  <p:childTnLst>
-                                    <p:set>
-                                      <p:cBhvr>
-                                        <p:cTn id="42" dur="1" fill="hold">
-                                          <p:stCondLst>
-                                            <p:cond delay="0"/>
-                                          </p:stCondLst>
-                                        </p:cTn>
-                                        <p:tgtEl>
-                                          <p:spTgt spid="3"/>
-                                        </p:tgtEl>
-                                        <p:attrNameLst>
-                                          <p:attrName>style.visibility</p:attrName>
-                                        </p:attrNameLst>
-                                      </p:cBhvr>
-                                      <p:to>
-                                        <p:strVal val="visible"/>
-                                      </p:to>
-                                    </p:set>
-                                    <p:animEffect transition="in" filter="fade">
-                                      <p:cBhvr>
-                                        <p:cTn id="43" dur="750"/>
                                         <p:tgtEl>
                                           <p:spTgt spid="3"/>
                                         </p:tgtEl>
@@ -17683,7 +17940,7 @@
 </p:sld>
 </file>
 
-<file path=ppt/slides/slide5.xml><?xml version="1.0" encoding="utf-8"?>
+<file path=ppt/slides/slide6.xml><?xml version="1.0" encoding="utf-8"?>
 <p:sld xmlns:a="http://schemas.openxmlformats.org/drawingml/2006/main" xmlns:r="http://schemas.openxmlformats.org/officeDocument/2006/relationships" xmlns:p="http://schemas.openxmlformats.org/presentationml/2006/main">
   <p:cSld>
     <p:spTree>
